--- a/presentations/191126_isa/DEP-Herzmann.pptx
+++ b/presentations/191126_isa/DEP-Herzmann.pptx
@@ -306,7 +306,7 @@
           <a:p>
             <a:fld id="{87BC103C-BF6B-4549-BD12-E73B34364CA1}" type="datetimeFigureOut">
               <a:rPr lang="en-US" smtClean="0"/>
-              <a:t>11/25/2019</a:t>
+              <a:t>11/26/2019</a:t>
             </a:fld>
             <a:endParaRPr lang="en-US"/>
           </a:p>
@@ -604,7 +604,7 @@
           <a:p>
             <a:fld id="{87BC103C-BF6B-4549-BD12-E73B34364CA1}" type="datetimeFigureOut">
               <a:rPr lang="en-US" smtClean="0"/>
-              <a:t>11/25/2019</a:t>
+              <a:t>11/26/2019</a:t>
             </a:fld>
             <a:endParaRPr lang="en-US"/>
           </a:p>
@@ -796,7 +796,7 @@
           <a:p>
             <a:fld id="{87BC103C-BF6B-4549-BD12-E73B34364CA1}" type="datetimeFigureOut">
               <a:rPr lang="en-US" smtClean="0"/>
-              <a:t>11/25/2019</a:t>
+              <a:t>11/26/2019</a:t>
             </a:fld>
             <a:endParaRPr lang="en-US"/>
           </a:p>
@@ -1057,7 +1057,7 @@
           <a:p>
             <a:fld id="{87BC103C-BF6B-4549-BD12-E73B34364CA1}" type="datetimeFigureOut">
               <a:rPr lang="en-US" smtClean="0"/>
-              <a:t>11/25/2019</a:t>
+              <a:t>11/26/2019</a:t>
             </a:fld>
             <a:endParaRPr lang="en-US"/>
           </a:p>
@@ -1481,7 +1481,7 @@
           <a:p>
             <a:fld id="{87BC103C-BF6B-4549-BD12-E73B34364CA1}" type="datetimeFigureOut">
               <a:rPr lang="en-US" smtClean="0"/>
-              <a:t>11/25/2019</a:t>
+              <a:t>11/26/2019</a:t>
             </a:fld>
             <a:endParaRPr lang="en-US"/>
           </a:p>
@@ -2018,7 +2018,7 @@
           <a:p>
             <a:fld id="{87BC103C-BF6B-4549-BD12-E73B34364CA1}" type="datetimeFigureOut">
               <a:rPr lang="en-US" smtClean="0"/>
-              <a:t>11/25/2019</a:t>
+              <a:t>11/26/2019</a:t>
             </a:fld>
             <a:endParaRPr lang="en-US"/>
           </a:p>
@@ -2882,7 +2882,7 @@
           <a:p>
             <a:fld id="{87BC103C-BF6B-4549-BD12-E73B34364CA1}" type="datetimeFigureOut">
               <a:rPr lang="en-US" smtClean="0"/>
-              <a:t>11/25/2019</a:t>
+              <a:t>11/26/2019</a:t>
             </a:fld>
             <a:endParaRPr lang="en-US"/>
           </a:p>
@@ -3052,7 +3052,7 @@
           <a:p>
             <a:fld id="{87BC103C-BF6B-4549-BD12-E73B34364CA1}" type="datetimeFigureOut">
               <a:rPr lang="en-US" smtClean="0"/>
-              <a:t>11/25/2019</a:t>
+              <a:t>11/26/2019</a:t>
             </a:fld>
             <a:endParaRPr lang="en-US"/>
           </a:p>
@@ -3236,7 +3236,7 @@
           <a:p>
             <a:fld id="{87BC103C-BF6B-4549-BD12-E73B34364CA1}" type="datetimeFigureOut">
               <a:rPr lang="en-US" smtClean="0"/>
-              <a:t>11/25/2019</a:t>
+              <a:t>11/26/2019</a:t>
             </a:fld>
             <a:endParaRPr lang="en-US"/>
           </a:p>
@@ -3406,7 +3406,7 @@
           <a:p>
             <a:fld id="{87BC103C-BF6B-4549-BD12-E73B34364CA1}" type="datetimeFigureOut">
               <a:rPr lang="en-US" smtClean="0"/>
-              <a:t>11/25/2019</a:t>
+              <a:t>11/26/2019</a:t>
             </a:fld>
             <a:endParaRPr lang="en-US"/>
           </a:p>
@@ -3650,7 +3650,7 @@
           <a:p>
             <a:fld id="{87BC103C-BF6B-4549-BD12-E73B34364CA1}" type="datetimeFigureOut">
               <a:rPr lang="en-US" smtClean="0"/>
-              <a:t>11/25/2019</a:t>
+              <a:t>11/26/2019</a:t>
             </a:fld>
             <a:endParaRPr lang="en-US"/>
           </a:p>
@@ -3886,7 +3886,7 @@
           <a:p>
             <a:fld id="{87BC103C-BF6B-4549-BD12-E73B34364CA1}" type="datetimeFigureOut">
               <a:rPr lang="en-US" smtClean="0"/>
-              <a:t>11/25/2019</a:t>
+              <a:t>11/26/2019</a:t>
             </a:fld>
             <a:endParaRPr lang="en-US"/>
           </a:p>
@@ -4352,7 +4352,7 @@
           <a:p>
             <a:fld id="{87BC103C-BF6B-4549-BD12-E73B34364CA1}" type="datetimeFigureOut">
               <a:rPr lang="en-US" smtClean="0"/>
-              <a:t>11/25/2019</a:t>
+              <a:t>11/26/2019</a:t>
             </a:fld>
             <a:endParaRPr lang="en-US"/>
           </a:p>
@@ -4470,7 +4470,7 @@
           <a:p>
             <a:fld id="{87BC103C-BF6B-4549-BD12-E73B34364CA1}" type="datetimeFigureOut">
               <a:rPr lang="en-US" smtClean="0"/>
-              <a:t>11/25/2019</a:t>
+              <a:t>11/26/2019</a:t>
             </a:fld>
             <a:endParaRPr lang="en-US"/>
           </a:p>
@@ -4565,7 +4565,7 @@
           <a:p>
             <a:fld id="{87BC103C-BF6B-4549-BD12-E73B34364CA1}" type="datetimeFigureOut">
               <a:rPr lang="en-US" smtClean="0"/>
-              <a:t>11/25/2019</a:t>
+              <a:t>11/26/2019</a:t>
             </a:fld>
             <a:endParaRPr lang="en-US"/>
           </a:p>
@@ -4820,7 +4820,7 @@
           <a:p>
             <a:fld id="{87BC103C-BF6B-4549-BD12-E73B34364CA1}" type="datetimeFigureOut">
               <a:rPr lang="en-US" smtClean="0"/>
-              <a:t>11/25/2019</a:t>
+              <a:t>11/26/2019</a:t>
             </a:fld>
             <a:endParaRPr lang="en-US"/>
           </a:p>
@@ -5120,7 +5120,7 @@
           <a:p>
             <a:fld id="{87BC103C-BF6B-4549-BD12-E73B34364CA1}" type="datetimeFigureOut">
               <a:rPr lang="en-US" smtClean="0"/>
-              <a:t>11/25/2019</a:t>
+              <a:t>11/26/2019</a:t>
             </a:fld>
             <a:endParaRPr lang="en-US"/>
           </a:p>
@@ -5354,7 +5354,7 @@
           <a:p>
             <a:fld id="{87BC103C-BF6B-4549-BD12-E73B34364CA1}" type="datetimeFigureOut">
               <a:rPr lang="en-US" smtClean="0"/>
-              <a:t>11/25/2019</a:t>
+              <a:t>11/26/2019</a:t>
             </a:fld>
             <a:endParaRPr lang="en-US"/>
           </a:p>
@@ -6178,53 +6178,55 @@
           </a:xfrm>
         </p:spPr>
         <p:txBody>
-          <a:bodyPr/>
+          <a:bodyPr>
+            <a:noAutofit/>
+          </a:bodyPr>
           <a:lstStyle/>
           <a:p>
             <a:r>
-              <a:rPr lang="en-US" dirty="0" err="1"/>
+              <a:rPr lang="en-US" sz="2400" dirty="0" err="1"/>
               <a:t>Openlayers</a:t>
             </a:r>
             <a:r>
-              <a:rPr lang="en-US" dirty="0"/>
+              <a:rPr lang="en-US" sz="2400" dirty="0"/>
               <a:t> based </a:t>
             </a:r>
             <a:r>
-              <a:rPr lang="en-US" dirty="0" err="1"/>
+              <a:rPr lang="en-US" sz="2400" dirty="0" err="1"/>
               <a:t>slippy</a:t>
             </a:r>
             <a:r>
-              <a:rPr lang="en-US" dirty="0"/>
+              <a:rPr lang="en-US" sz="2400" dirty="0"/>
               <a:t> map</a:t>
             </a:r>
           </a:p>
           <a:p>
             <a:r>
-              <a:rPr lang="en-US" dirty="0" err="1"/>
+              <a:rPr lang="en-US" sz="2400" dirty="0" err="1"/>
               <a:t>GeoJSON</a:t>
             </a:r>
             <a:r>
-              <a:rPr lang="en-US" dirty="0"/>
+              <a:rPr lang="en-US" sz="2400" dirty="0"/>
               <a:t> provided HUC12 data via web service</a:t>
             </a:r>
           </a:p>
           <a:p>
             <a:r>
-              <a:rPr lang="en-US" dirty="0"/>
+              <a:rPr lang="en-US" sz="2400" dirty="0"/>
               <a:t>On-the-fly aggregation in time</a:t>
             </a:r>
           </a:p>
           <a:p>
             <a:r>
-              <a:rPr lang="en-US" dirty="0"/>
+              <a:rPr lang="en-US" sz="2400" dirty="0"/>
               <a:t>Version 2 of map will be using </a:t>
             </a:r>
             <a:r>
-              <a:rPr lang="en-US" dirty="0" err="1"/>
+              <a:rPr lang="en-US" sz="2400" dirty="0" err="1"/>
               <a:t>mapbox-gl</a:t>
             </a:r>
             <a:r>
-              <a:rPr lang="en-US" dirty="0"/>
+              <a:rPr lang="en-US" sz="2400" dirty="0"/>
               <a:t> and have new UI layout</a:t>
             </a:r>
           </a:p>
@@ -6341,36 +6343,38 @@
         </p:nvSpPr>
         <p:spPr/>
         <p:txBody>
-          <a:bodyPr/>
+          <a:bodyPr>
+            <a:noAutofit/>
+          </a:bodyPr>
           <a:lstStyle/>
           <a:p>
             <a:r>
-              <a:rPr lang="en-US" dirty="0"/>
+              <a:rPr lang="en-US" sz="2800" dirty="0"/>
               <a:t>522,864 hillslopes</a:t>
             </a:r>
           </a:p>
           <a:p>
             <a:r>
-              <a:rPr lang="en-US" dirty="0"/>
+              <a:rPr lang="en-US" sz="2800" dirty="0"/>
               <a:t>4,086 HUC12s covered</a:t>
             </a:r>
           </a:p>
           <a:p>
             <a:r>
-              <a:rPr lang="en-US" dirty="0"/>
+              <a:rPr lang="en-US" sz="2800" dirty="0"/>
               <a:t>282,281 climate files</a:t>
             </a:r>
           </a:p>
           <a:p>
             <a:pPr lvl="1"/>
             <a:r>
-              <a:rPr lang="en-US" dirty="0"/>
+              <a:rPr lang="en-US" sz="2800" dirty="0"/>
               <a:t>Climate files are provided on a 0.01 x 0.01 degree analysis grid, so some spatially close hillslopes share a single climate file</a:t>
             </a:r>
           </a:p>
           <a:p>
             <a:r>
-              <a:rPr lang="en-US" dirty="0"/>
+              <a:rPr lang="en-US" sz="2800" dirty="0"/>
               <a:t>Presently producing yesterday’s estimates at ~4:30 AM each morning</a:t>
             </a:r>
           </a:p>
@@ -6452,65 +6456,67 @@
         </p:nvSpPr>
         <p:spPr/>
         <p:txBody>
-          <a:bodyPr/>
+          <a:bodyPr>
+            <a:normAutofit/>
+          </a:bodyPr>
           <a:lstStyle/>
           <a:p>
             <a:r>
-              <a:rPr lang="en-US" dirty="0"/>
+              <a:rPr lang="en-US" sz="2800" dirty="0"/>
               <a:t>Generally a Python 3 stack</a:t>
             </a:r>
           </a:p>
           <a:p>
             <a:r>
-              <a:rPr lang="en-US" dirty="0" err="1"/>
+              <a:rPr lang="en-US" sz="2800" dirty="0" err="1"/>
               <a:t>Github</a:t>
             </a:r>
             <a:r>
-              <a:rPr lang="en-US" dirty="0"/>
+              <a:rPr lang="en-US" sz="2800" dirty="0"/>
               <a:t> code projects </a:t>
             </a:r>
             <a:r>
-              <a:rPr lang="en-US" dirty="0">
+              <a:rPr lang="en-US" sz="2800" dirty="0">
                 <a:hlinkClick r:id="rId2"/>
               </a:rPr>
               <a:t>https://github.com/dailyerosion</a:t>
             </a:r>
-            <a:endParaRPr lang="en-US" dirty="0"/>
+            <a:endParaRPr lang="en-US" sz="2800" dirty="0"/>
           </a:p>
           <a:p>
             <a:pPr lvl="1"/>
             <a:r>
-              <a:rPr lang="en-US" dirty="0"/>
+              <a:rPr lang="en-US" sz="2800" dirty="0"/>
               <a:t>“dep” -&gt; real time execution, WEPP mods</a:t>
             </a:r>
           </a:p>
           <a:p>
             <a:pPr lvl="1"/>
             <a:r>
-              <a:rPr lang="en-US" dirty="0"/>
+              <a:rPr lang="en-US" sz="2800" dirty="0"/>
               <a:t>“</a:t>
             </a:r>
             <a:r>
-              <a:rPr lang="en-US" dirty="0" err="1"/>
+              <a:rPr lang="en-US" sz="2800" dirty="0" err="1"/>
               <a:t>depmap</a:t>
             </a:r>
             <a:r>
-              <a:rPr lang="en-US" dirty="0"/>
+              <a:rPr lang="en-US" sz="2800" dirty="0"/>
               <a:t>” -&gt; website map application</a:t>
             </a:r>
           </a:p>
           <a:p>
             <a:pPr lvl="1"/>
             <a:r>
-              <a:rPr lang="en-US" dirty="0"/>
+              <a:rPr lang="en-US" sz="2800" dirty="0"/>
               <a:t>“</a:t>
             </a:r>
             <a:r>
-              <a:rPr lang="en-US" dirty="0" err="1"/>
+              <a:rPr lang="en-US" sz="2800" dirty="0" err="1"/>
               <a:t>depbackend</a:t>
             </a:r>
             <a:r>
-              <a:rPr lang="en-US" dirty="0"/>
+              <a:rPr lang="en-US" sz="2800" dirty="0"/>
               <a:t>” -&gt; API services for the map and others</a:t>
             </a:r>
           </a:p>
@@ -7152,8 +7158,8 @@
         </p:nvSpPr>
         <p:spPr>
           <a:xfrm>
-            <a:off x="1285875" y="2369536"/>
-            <a:ext cx="8198078" cy="923330"/>
+            <a:off x="357187" y="1873146"/>
+            <a:ext cx="11717951" cy="1384995"/>
           </a:xfrm>
           <a:prstGeom prst="rect">
             <a:avLst/>
@@ -7167,35 +7173,35 @@
           <a:lstStyle/>
           <a:p>
             <a:r>
-              <a:rPr lang="en-US" dirty="0"/>
+              <a:rPr lang="en-US" sz="2800" dirty="0"/>
               <a:t>File every 0.01 x 0.01 degrees </a:t>
             </a:r>
             <a:r>
-              <a:rPr lang="en-US" dirty="0" err="1"/>
+              <a:rPr lang="en-US" sz="2800" dirty="0" err="1"/>
               <a:t>lat</a:t>
             </a:r>
             <a:r>
-              <a:rPr lang="en-US" dirty="0"/>
+              <a:rPr lang="en-US" sz="2800" dirty="0"/>
               <a:t>/</a:t>
             </a:r>
             <a:r>
-              <a:rPr lang="en-US" dirty="0" err="1"/>
+              <a:rPr lang="en-US" sz="2800" dirty="0" err="1"/>
               <a:t>lon</a:t>
             </a:r>
             <a:r>
-              <a:rPr lang="en-US" dirty="0"/>
+              <a:rPr lang="en-US" sz="2800" dirty="0"/>
               <a:t> for where we have hillslopes to model.</a:t>
             </a:r>
           </a:p>
           <a:p>
             <a:r>
-              <a:rPr lang="en-US" dirty="0"/>
+              <a:rPr lang="en-US" sz="2800" dirty="0"/>
               <a:t>File every 0.25 x 0.25 degrees for land points “East of the Rockies, Hello.”</a:t>
             </a:r>
           </a:p>
           <a:p>
             <a:r>
-              <a:rPr lang="en-US" dirty="0"/>
+              <a:rPr lang="en-US" sz="2800" dirty="0"/>
               <a:t>	for future domain expansion.</a:t>
             </a:r>
           </a:p>
@@ -7852,37 +7858,39 @@
         </p:nvSpPr>
         <p:spPr/>
         <p:txBody>
-          <a:bodyPr/>
+          <a:bodyPr>
+            <a:normAutofit/>
+          </a:bodyPr>
           <a:lstStyle/>
           <a:p>
             <a:r>
-              <a:rPr lang="en-US" dirty="0"/>
+              <a:rPr lang="en-US" sz="2800" dirty="0"/>
               <a:t>MRMS “RADAR –Only” and NEXRAD Mosaic are providing the “wave form” of precipitation intensity over a given hour.</a:t>
             </a:r>
           </a:p>
           <a:p>
             <a:r>
-              <a:rPr lang="en-US" dirty="0"/>
+              <a:rPr lang="en-US" sz="2800" dirty="0"/>
               <a:t>Whatever presently available 24 hour </a:t>
             </a:r>
             <a:r>
-              <a:rPr lang="en-US" dirty="0" err="1"/>
+              <a:rPr lang="en-US" sz="2800" dirty="0" err="1"/>
               <a:t>precip</a:t>
             </a:r>
             <a:r>
-              <a:rPr lang="en-US" dirty="0"/>
+              <a:rPr lang="en-US" sz="2800" dirty="0"/>
               <a:t> totals (Stage IV / PRISM) are used to bias correct the hourly totals.</a:t>
             </a:r>
           </a:p>
           <a:p>
             <a:r>
-              <a:rPr lang="en-US" dirty="0"/>
+              <a:rPr lang="en-US" sz="2800" dirty="0"/>
               <a:t>Whatever presently available higher quality control hourly totals bias correct the sub-hourly intensities.</a:t>
             </a:r>
           </a:p>
           <a:p>
             <a:r>
-              <a:rPr lang="en-US" dirty="0"/>
+              <a:rPr lang="en-US" sz="2800" dirty="0"/>
               <a:t>Reprocessing occurs days later once more data is available for usage.</a:t>
             </a:r>
           </a:p>
